--- a/doc/3_Comunicacion_microservicios_C++.pptx
+++ b/doc/3_Comunicacion_microservicios_C++.pptx
@@ -6880,7 +6880,7 @@
         </p:spPr>
         <p:txBody>
           <a:bodyPr>
-            <a:normAutofit lnSpcReduction="10000"/>
+            <a:normAutofit fontScale="92500"/>
           </a:bodyPr>
           <a:lstStyle/>
           <a:p>
@@ -6958,6 +6958,39 @@
             <a:r>
               <a:rPr lang="es-ES" b="1" dirty="0" err="1"/>
               <a:t>simpleamqpclient</a:t>
+            </a:r>
+            <a:endParaRPr lang="es-ES" b="1" dirty="0"/>
+          </a:p>
+          <a:p>
+            <a:r>
+              <a:rPr lang="es-ES" b="1" dirty="0" err="1"/>
+              <a:t>vcpkg</a:t>
+            </a:r>
+            <a:r>
+              <a:rPr lang="es-ES" b="1" dirty="0"/>
+              <a:t> </a:t>
+            </a:r>
+            <a:r>
+              <a:rPr lang="es-ES" b="1" dirty="0" err="1"/>
+              <a:t>install</a:t>
+            </a:r>
+            <a:r>
+              <a:rPr lang="es-ES" b="1" dirty="0"/>
+              <a:t> </a:t>
+            </a:r>
+            <a:r>
+              <a:rPr lang="es-ES" b="1" dirty="0" err="1"/>
+              <a:t>librabbitmq</a:t>
+            </a:r>
+            <a:r>
+              <a:rPr lang="es-ES" b="1" dirty="0"/>
+              <a:t> (librería oficial) </a:t>
+            </a:r>
+            <a:r>
+              <a:rPr lang="es-ES" b="1" dirty="0">
+                <a:sym typeface="Wingdings" panose="05000000000000000000" pitchFamily="2" charset="2"/>
+              </a:rPr>
+              <a:t></a:t>
             </a:r>
             <a:endParaRPr lang="es-ES" b="1" dirty="0"/>
           </a:p>

--- a/doc/3_Comunicacion_microservicios_C++.pptx
+++ b/doc/3_Comunicacion_microservicios_C++.pptx
@@ -293,7 +293,7 @@
           <a:p>
             <a:fld id="{9AF2DF38-58C2-4131-9DBF-7A3EE757594D}" type="datetimeFigureOut">
               <a:rPr lang="es-ES" smtClean="0"/>
-              <a:t>08/09/2025</a:t>
+              <a:t>10/09/2025</a:t>
             </a:fld>
             <a:endParaRPr lang="es-ES"/>
           </a:p>
@@ -707,7 +707,7 @@
           <a:p>
             <a:fld id="{52BD7D6D-02CB-4020-BA3F-7CBF9B90D554}" type="datetime1">
               <a:rPr lang="es-ES" smtClean="0"/>
-              <a:t>08/09/2025</a:t>
+              <a:t>10/09/2025</a:t>
             </a:fld>
             <a:endParaRPr lang="es-ES"/>
           </a:p>
@@ -905,7 +905,7 @@
           <a:p>
             <a:fld id="{60BE98F6-26EB-43A9-98D8-132BA20EA1A0}" type="datetime1">
               <a:rPr lang="es-ES" smtClean="0"/>
-              <a:t>08/09/2025</a:t>
+              <a:t>10/09/2025</a:t>
             </a:fld>
             <a:endParaRPr lang="es-ES"/>
           </a:p>
@@ -1113,7 +1113,7 @@
           <a:p>
             <a:fld id="{5600C5DE-3400-4974-8439-4D43C67B7525}" type="datetime1">
               <a:rPr lang="es-ES" smtClean="0"/>
-              <a:t>08/09/2025</a:t>
+              <a:t>10/09/2025</a:t>
             </a:fld>
             <a:endParaRPr lang="es-ES"/>
           </a:p>
@@ -1311,7 +1311,7 @@
           <a:p>
             <a:fld id="{5CA85AC2-B092-4E30-93AF-64C7DF7D78DB}" type="datetime1">
               <a:rPr lang="es-ES" smtClean="0"/>
-              <a:t>08/09/2025</a:t>
+              <a:t>10/09/2025</a:t>
             </a:fld>
             <a:endParaRPr lang="es-ES"/>
           </a:p>
@@ -1586,7 +1586,7 @@
           <a:p>
             <a:fld id="{2C8CB80F-6674-411B-8C15-5A22F9414B92}" type="datetime1">
               <a:rPr lang="es-ES" smtClean="0"/>
-              <a:t>08/09/2025</a:t>
+              <a:t>10/09/2025</a:t>
             </a:fld>
             <a:endParaRPr lang="es-ES"/>
           </a:p>
@@ -1851,7 +1851,7 @@
           <a:p>
             <a:fld id="{1094636B-E6D2-448A-9684-07A258E529AE}" type="datetime1">
               <a:rPr lang="es-ES" smtClean="0"/>
-              <a:t>08/09/2025</a:t>
+              <a:t>10/09/2025</a:t>
             </a:fld>
             <a:endParaRPr lang="es-ES"/>
           </a:p>
@@ -2263,7 +2263,7 @@
           <a:p>
             <a:fld id="{BE27F858-2232-45DC-A991-3A6A87FC70F5}" type="datetime1">
               <a:rPr lang="es-ES" smtClean="0"/>
-              <a:t>08/09/2025</a:t>
+              <a:t>10/09/2025</a:t>
             </a:fld>
             <a:endParaRPr lang="es-ES"/>
           </a:p>
@@ -2404,7 +2404,7 @@
           <a:p>
             <a:fld id="{99C2E2F3-F663-4BFC-BF2B-17313E21FE95}" type="datetime1">
               <a:rPr lang="es-ES" smtClean="0"/>
-              <a:t>08/09/2025</a:t>
+              <a:t>10/09/2025</a:t>
             </a:fld>
             <a:endParaRPr lang="es-ES"/>
           </a:p>
@@ -2517,7 +2517,7 @@
           <a:p>
             <a:fld id="{D5A2C444-E63F-40E2-B07B-D944BB9330D0}" type="datetime1">
               <a:rPr lang="es-ES" smtClean="0"/>
-              <a:t>08/09/2025</a:t>
+              <a:t>10/09/2025</a:t>
             </a:fld>
             <a:endParaRPr lang="es-ES"/>
           </a:p>
@@ -2828,7 +2828,7 @@
           <a:p>
             <a:fld id="{C6AB6779-8BF3-452B-BCD4-1523FB894102}" type="datetime1">
               <a:rPr lang="es-ES" smtClean="0"/>
-              <a:t>08/09/2025</a:t>
+              <a:t>10/09/2025</a:t>
             </a:fld>
             <a:endParaRPr lang="es-ES"/>
           </a:p>
@@ -3116,7 +3116,7 @@
           <a:p>
             <a:fld id="{05A9881F-458B-4856-B44F-32D2DE26B082}" type="datetime1">
               <a:rPr lang="es-ES" smtClean="0"/>
-              <a:t>08/09/2025</a:t>
+              <a:t>10/09/2025</a:t>
             </a:fld>
             <a:endParaRPr lang="es-ES"/>
           </a:p>
@@ -3357,7 +3357,7 @@
           <a:p>
             <a:fld id="{7F15D16E-4E04-4D90-8A80-B6065B944015}" type="datetime1">
               <a:rPr lang="es-ES" smtClean="0"/>
-              <a:t>08/09/2025</a:t>
+              <a:t>10/09/2025</a:t>
             </a:fld>
             <a:endParaRPr lang="es-ES"/>
           </a:p>
@@ -3939,6 +3939,14 @@
             <a:r>
               <a:rPr lang="es-ES" dirty="0" err="1"/>
               <a:t>zeromq</a:t>
+            </a:r>
+            <a:r>
+              <a:rPr lang="es-ES" dirty="0"/>
+              <a:t> </a:t>
+            </a:r>
+            <a:r>
+              <a:rPr lang="es-ES" dirty="0" err="1"/>
+              <a:t>cppzmq</a:t>
             </a:r>
             <a:endParaRPr lang="es-ES" dirty="0"/>
           </a:p>

--- a/doc/3_Comunicacion_microservicios_C++.pptx
+++ b/doc/3_Comunicacion_microservicios_C++.pptx
@@ -11806,7 +11806,7 @@
         </p:spPr>
         <p:txBody>
           <a:bodyPr>
-            <a:normAutofit/>
+            <a:normAutofit fontScale="92500" lnSpcReduction="10000"/>
           </a:bodyPr>
           <a:lstStyle/>
           <a:p>
@@ -11839,6 +11839,10 @@
             </a:r>
           </a:p>
           <a:p>
+            <a:pPr lvl="1"/>
+            <a:endParaRPr lang="es-ES" dirty="0"/>
+          </a:p>
+          <a:p>
             <a:r>
               <a:rPr lang="es-ES" b="1" dirty="0"/>
               <a:t>Serialización rápida</a:t>
@@ -11864,6 +11868,10 @@
             </a:r>
           </a:p>
           <a:p>
+            <a:pPr lvl="1"/>
+            <a:endParaRPr lang="es-ES" dirty="0"/>
+          </a:p>
+          <a:p>
             <a:r>
               <a:rPr lang="es-ES" b="1" dirty="0"/>
               <a:t>Multilenguaje</a:t>
@@ -11875,6 +11883,10 @@
               <a:rPr lang="es-ES" dirty="0"/>
               <a:t>Compatible con muchos lenguajes: ideal para arquitecturas de microservicios heterogéneas.</a:t>
             </a:r>
+          </a:p>
+          <a:p>
+            <a:pPr lvl="1"/>
+            <a:endParaRPr lang="es-ES" dirty="0"/>
           </a:p>
           <a:p>
             <a:r>

--- a/doc/3_Comunicacion_microservicios_C++.pptx
+++ b/doc/3_Comunicacion_microservicios_C++.pptx
@@ -21562,7 +21562,7 @@
             </a:r>
             <a:r>
               <a:rPr lang="es-ES" dirty="0"/>
-              <a:t>, </a:t>
+              <a:t>. </a:t>
             </a:r>
             <a:r>
               <a:rPr lang="es-ES" dirty="0" err="1"/>
